--- a/phaser-1.pptx
+++ b/phaser-1.pptx
@@ -275,7 +275,7 @@
           <a:p>
             <a:fld id="{217565C1-E48F-2E4C-B5B3-28725603CF9D}" type="datetimeFigureOut">
               <a:rPr kumimoji="1" lang="zh-CN" altLang="en-US" smtClean="0"/>
-              <a:t>2018/1/10</a:t>
+              <a:t>2018/1/11</a:t>
             </a:fld>
             <a:endParaRPr kumimoji="1" lang="zh-CN" altLang="en-US"/>
           </a:p>
@@ -445,7 +445,7 @@
           <a:p>
             <a:fld id="{217565C1-E48F-2E4C-B5B3-28725603CF9D}" type="datetimeFigureOut">
               <a:rPr kumimoji="1" lang="zh-CN" altLang="en-US" smtClean="0"/>
-              <a:t>2018/1/10</a:t>
+              <a:t>2018/1/11</a:t>
             </a:fld>
             <a:endParaRPr kumimoji="1" lang="zh-CN" altLang="en-US"/>
           </a:p>
@@ -625,7 +625,7 @@
           <a:p>
             <a:fld id="{217565C1-E48F-2E4C-B5B3-28725603CF9D}" type="datetimeFigureOut">
               <a:rPr kumimoji="1" lang="zh-CN" altLang="en-US" smtClean="0"/>
-              <a:t>2018/1/10</a:t>
+              <a:t>2018/1/11</a:t>
             </a:fld>
             <a:endParaRPr kumimoji="1" lang="zh-CN" altLang="en-US"/>
           </a:p>
@@ -795,7 +795,7 @@
           <a:p>
             <a:fld id="{217565C1-E48F-2E4C-B5B3-28725603CF9D}" type="datetimeFigureOut">
               <a:rPr kumimoji="1" lang="zh-CN" altLang="en-US" smtClean="0"/>
-              <a:t>2018/1/10</a:t>
+              <a:t>2018/1/11</a:t>
             </a:fld>
             <a:endParaRPr kumimoji="1" lang="zh-CN" altLang="en-US"/>
           </a:p>
@@ -1041,7 +1041,7 @@
           <a:p>
             <a:fld id="{217565C1-E48F-2E4C-B5B3-28725603CF9D}" type="datetimeFigureOut">
               <a:rPr kumimoji="1" lang="zh-CN" altLang="en-US" smtClean="0"/>
-              <a:t>2018/1/10</a:t>
+              <a:t>2018/1/11</a:t>
             </a:fld>
             <a:endParaRPr kumimoji="1" lang="zh-CN" altLang="en-US"/>
           </a:p>
@@ -1273,7 +1273,7 @@
           <a:p>
             <a:fld id="{217565C1-E48F-2E4C-B5B3-28725603CF9D}" type="datetimeFigureOut">
               <a:rPr kumimoji="1" lang="zh-CN" altLang="en-US" smtClean="0"/>
-              <a:t>2018/1/10</a:t>
+              <a:t>2018/1/11</a:t>
             </a:fld>
             <a:endParaRPr kumimoji="1" lang="zh-CN" altLang="en-US"/>
           </a:p>
@@ -1640,7 +1640,7 @@
           <a:p>
             <a:fld id="{217565C1-E48F-2E4C-B5B3-28725603CF9D}" type="datetimeFigureOut">
               <a:rPr kumimoji="1" lang="zh-CN" altLang="en-US" smtClean="0"/>
-              <a:t>2018/1/10</a:t>
+              <a:t>2018/1/11</a:t>
             </a:fld>
             <a:endParaRPr kumimoji="1" lang="zh-CN" altLang="en-US"/>
           </a:p>
@@ -1758,7 +1758,7 @@
           <a:p>
             <a:fld id="{217565C1-E48F-2E4C-B5B3-28725603CF9D}" type="datetimeFigureOut">
               <a:rPr kumimoji="1" lang="zh-CN" altLang="en-US" smtClean="0"/>
-              <a:t>2018/1/10</a:t>
+              <a:t>2018/1/11</a:t>
             </a:fld>
             <a:endParaRPr kumimoji="1" lang="zh-CN" altLang="en-US"/>
           </a:p>
@@ -1853,7 +1853,7 @@
           <a:p>
             <a:fld id="{217565C1-E48F-2E4C-B5B3-28725603CF9D}" type="datetimeFigureOut">
               <a:rPr kumimoji="1" lang="zh-CN" altLang="en-US" smtClean="0"/>
-              <a:t>2018/1/10</a:t>
+              <a:t>2018/1/11</a:t>
             </a:fld>
             <a:endParaRPr kumimoji="1" lang="zh-CN" altLang="en-US"/>
           </a:p>
@@ -2130,7 +2130,7 @@
           <a:p>
             <a:fld id="{217565C1-E48F-2E4C-B5B3-28725603CF9D}" type="datetimeFigureOut">
               <a:rPr kumimoji="1" lang="zh-CN" altLang="en-US" smtClean="0"/>
-              <a:t>2018/1/10</a:t>
+              <a:t>2018/1/11</a:t>
             </a:fld>
             <a:endParaRPr kumimoji="1" lang="zh-CN" altLang="en-US"/>
           </a:p>
@@ -2383,7 +2383,7 @@
           <a:p>
             <a:fld id="{217565C1-E48F-2E4C-B5B3-28725603CF9D}" type="datetimeFigureOut">
               <a:rPr kumimoji="1" lang="zh-CN" altLang="en-US" smtClean="0"/>
-              <a:t>2018/1/10</a:t>
+              <a:t>2018/1/11</a:t>
             </a:fld>
             <a:endParaRPr kumimoji="1" lang="zh-CN" altLang="en-US"/>
           </a:p>
@@ -2601,7 +2601,7 @@
           <a:p>
             <a:fld id="{217565C1-E48F-2E4C-B5B3-28725603CF9D}" type="datetimeFigureOut">
               <a:rPr kumimoji="1" lang="zh-CN" altLang="en-US" smtClean="0"/>
-              <a:t>2018/1/10</a:t>
+              <a:t>2018/1/11</a:t>
             </a:fld>
             <a:endParaRPr kumimoji="1" lang="zh-CN" altLang="en-US"/>
           </a:p>
@@ -5918,6 +5918,24 @@
             <a:endParaRPr kumimoji="1" lang="en-US" altLang="zh-CN" dirty="0" smtClean="0"/>
           </a:p>
           <a:p>
+            <a:r>
+              <a:rPr kumimoji="1" lang="en-US" altLang="zh-CN" dirty="0">
+                <a:hlinkClick r:id="rId6"/>
+              </a:rPr>
+              <a:t>https://</a:t>
+            </a:r>
+            <a:r>
+              <a:rPr kumimoji="1" lang="en-US" altLang="zh-CN" dirty="0" smtClean="0">
+                <a:hlinkClick r:id="rId6"/>
+              </a:rPr>
+              <a:t>photonstorm.github.io/phaser-ce/Phaser.Game.html</a:t>
+            </a:r>
+            <a:endParaRPr kumimoji="1" lang="en-US" altLang="zh-CN" dirty="0" smtClean="0"/>
+          </a:p>
+          <a:p>
+            <a:endParaRPr kumimoji="1" lang="en-US" altLang="zh-CN" dirty="0" smtClean="0"/>
+          </a:p>
+          <a:p>
             <a:endParaRPr kumimoji="1" lang="zh-CN" altLang="en-US" dirty="0"/>
           </a:p>
         </p:txBody>
